--- a/slides/Serverless - Intro.pptx
+++ b/slides/Serverless - Intro.pptx
@@ -285,7 +285,7 @@
           <a:p>
             <a:fld id="{6BA81518-A137-5E4B-8325-62F65BDDCCE1}" type="datetimeFigureOut">
               <a:rPr lang="de-DE" smtClean="0"/>
-              <a:t>03.04.19</a:t>
+              <a:t>06.04.19</a:t>
             </a:fld>
             <a:endParaRPr lang="de-DE"/>
           </a:p>
@@ -462,7 +462,7 @@
           <a:p>
             <a:fld id="{6CDAB3AC-2199-6345-AFBA-45F2E68E603F}" type="datetimeFigureOut">
               <a:rPr lang="de-DE" smtClean="0"/>
-              <a:t>03.04.19</a:t>
+              <a:t>06.04.19</a:t>
             </a:fld>
             <a:endParaRPr lang="de-DE"/>
           </a:p>
@@ -10171,6 +10171,60 @@
               <a:t> ist …</a:t>
             </a:r>
           </a:p>
+          <a:p>
+            <a:endParaRPr lang="de-DE" b="0" dirty="0"/>
+          </a:p>
+          <a:p>
+            <a:endParaRPr lang="de-DE" b="0" dirty="0"/>
+          </a:p>
+          <a:p>
+            <a:endParaRPr lang="de-DE" b="0" dirty="0"/>
+          </a:p>
+          <a:p>
+            <a:r>
+              <a:rPr lang="de-DE" b="0" dirty="0"/>
+              <a:t>woran merkt man das?</a:t>
+            </a:r>
+          </a:p>
+          <a:p>
+            <a:r>
+              <a:rPr lang="de-DE" b="0" dirty="0"/>
+              <a:t>(</a:t>
+            </a:r>
+            <a:r>
+              <a:rPr lang="de-DE" b="0" dirty="0" err="1"/>
+              <a:t>testing</a:t>
+            </a:r>
+            <a:r>
+              <a:rPr lang="de-DE" b="0" dirty="0"/>
+              <a:t>, </a:t>
+            </a:r>
+            <a:r>
+              <a:rPr lang="de-DE" b="0" dirty="0" err="1"/>
+              <a:t>limits</a:t>
+            </a:r>
+            <a:r>
+              <a:rPr lang="de-DE" b="0" dirty="0"/>
+              <a:t>, </a:t>
+            </a:r>
+            <a:r>
+              <a:rPr lang="de-DE" b="0" dirty="0" err="1"/>
+              <a:t>always</a:t>
+            </a:r>
+            <a:r>
+              <a:rPr lang="de-DE" b="0" dirty="0"/>
+              <a:t> </a:t>
+            </a:r>
+            <a:r>
+              <a:rPr lang="de-DE" b="0" dirty="0" err="1"/>
+              <a:t>connected</a:t>
+            </a:r>
+            <a:r>
+              <a:rPr lang="de-DE" b="0"/>
+              <a:t>,..)</a:t>
+            </a:r>
+            <a:endParaRPr lang="de-DE" b="0" dirty="0"/>
+          </a:p>
         </p:txBody>
       </p:sp>
       <p:sp>
@@ -10617,7 +10671,7 @@
           <a:p>
             <a:fld id="{4F5798B3-4BE3-CF41-BF85-A9EB0C2C6B31}" type="datetimeFigureOut">
               <a:rPr lang="de-DE" smtClean="0"/>
-              <a:t>03.04.19</a:t>
+              <a:t>06.04.19</a:t>
             </a:fld>
             <a:endParaRPr lang="de-DE"/>
           </a:p>
@@ -10790,7 +10844,7 @@
           <a:p>
             <a:fld id="{4F5798B3-4BE3-CF41-BF85-A9EB0C2C6B31}" type="datetimeFigureOut">
               <a:rPr lang="de-DE" smtClean="0"/>
-              <a:t>03.04.19</a:t>
+              <a:t>06.04.19</a:t>
             </a:fld>
             <a:endParaRPr lang="de-DE"/>
           </a:p>
@@ -10973,7 +11027,7 @@
           <a:p>
             <a:fld id="{4F5798B3-4BE3-CF41-BF85-A9EB0C2C6B31}" type="datetimeFigureOut">
               <a:rPr lang="de-DE" smtClean="0"/>
-              <a:t>03.04.19</a:t>
+              <a:t>06.04.19</a:t>
             </a:fld>
             <a:endParaRPr lang="de-DE"/>
           </a:p>
@@ -11146,7 +11200,7 @@
           <a:p>
             <a:fld id="{4F5798B3-4BE3-CF41-BF85-A9EB0C2C6B31}" type="datetimeFigureOut">
               <a:rPr lang="de-DE" smtClean="0"/>
-              <a:t>03.04.19</a:t>
+              <a:t>06.04.19</a:t>
             </a:fld>
             <a:endParaRPr lang="de-DE"/>
           </a:p>
@@ -11424,7 +11478,7 @@
           <a:p>
             <a:fld id="{4F5798B3-4BE3-CF41-BF85-A9EB0C2C6B31}" type="datetimeFigureOut">
               <a:rPr lang="de-DE" smtClean="0"/>
-              <a:t>03.04.19</a:t>
+              <a:t>06.04.19</a:t>
             </a:fld>
             <a:endParaRPr lang="de-DE"/>
           </a:p>
@@ -11639,7 +11693,7 @@
           <a:p>
             <a:fld id="{4F5798B3-4BE3-CF41-BF85-A9EB0C2C6B31}" type="datetimeFigureOut">
               <a:rPr lang="de-DE" smtClean="0"/>
-              <a:t>03.04.19</a:t>
+              <a:t>06.04.19</a:t>
             </a:fld>
             <a:endParaRPr lang="de-DE"/>
           </a:p>
@@ -12007,7 +12061,7 @@
           <a:p>
             <a:fld id="{4F5798B3-4BE3-CF41-BF85-A9EB0C2C6B31}" type="datetimeFigureOut">
               <a:rPr lang="de-DE" smtClean="0"/>
-              <a:t>03.04.19</a:t>
+              <a:t>06.04.19</a:t>
             </a:fld>
             <a:endParaRPr lang="de-DE"/>
           </a:p>
@@ -12148,7 +12202,7 @@
           <a:p>
             <a:fld id="{4F5798B3-4BE3-CF41-BF85-A9EB0C2C6B31}" type="datetimeFigureOut">
               <a:rPr lang="de-DE" smtClean="0"/>
-              <a:t>03.04.19</a:t>
+              <a:t>06.04.19</a:t>
             </a:fld>
             <a:endParaRPr lang="de-DE"/>
           </a:p>
@@ -12261,7 +12315,7 @@
           <a:p>
             <a:fld id="{4F5798B3-4BE3-CF41-BF85-A9EB0C2C6B31}" type="datetimeFigureOut">
               <a:rPr lang="de-DE" smtClean="0"/>
-              <a:t>03.04.19</a:t>
+              <a:t>06.04.19</a:t>
             </a:fld>
             <a:endParaRPr lang="de-DE"/>
           </a:p>
@@ -12550,7 +12604,7 @@
           <a:p>
             <a:fld id="{4F5798B3-4BE3-CF41-BF85-A9EB0C2C6B31}" type="datetimeFigureOut">
               <a:rPr lang="de-DE" smtClean="0"/>
-              <a:t>03.04.19</a:t>
+              <a:t>06.04.19</a:t>
             </a:fld>
             <a:endParaRPr lang="de-DE"/>
           </a:p>
@@ -12841,7 +12895,7 @@
           <a:p>
             <a:fld id="{4F5798B3-4BE3-CF41-BF85-A9EB0C2C6B31}" type="datetimeFigureOut">
               <a:rPr lang="de-DE" smtClean="0"/>
-              <a:t>03.04.19</a:t>
+              <a:t>06.04.19</a:t>
             </a:fld>
             <a:endParaRPr lang="de-DE"/>
           </a:p>
@@ -13057,7 +13111,7 @@
           <a:p>
             <a:fld id="{4F5798B3-4BE3-CF41-BF85-A9EB0C2C6B31}" type="datetimeFigureOut">
               <a:rPr lang="de-DE" smtClean="0"/>
-              <a:t>03.04.19</a:t>
+              <a:t>06.04.19</a:t>
             </a:fld>
             <a:endParaRPr lang="de-DE"/>
           </a:p>

--- a/slides/Serverless - Intro.pptx
+++ b/slides/Serverless - Intro.pptx
@@ -1826,7 +1826,7 @@
           <a:p>
             <a:fld id="{6BA81518-A137-5E4B-8325-62F65BDDCCE1}" type="datetimeFigureOut">
               <a:rPr lang="de-DE" smtClean="0"/>
-              <a:t>10.04.19</a:t>
+              <a:t>11.04.19</a:t>
             </a:fld>
             <a:endParaRPr lang="de-DE"/>
           </a:p>
@@ -2003,7 +2003,7 @@
           <a:p>
             <a:fld id="{6CDAB3AC-2199-6345-AFBA-45F2E68E603F}" type="datetimeFigureOut">
               <a:rPr lang="de-DE" smtClean="0"/>
-              <a:t>10.04.19</a:t>
+              <a:t>11.04.19</a:t>
             </a:fld>
             <a:endParaRPr lang="de-DE"/>
           </a:p>
@@ -2391,57 +2391,22 @@
               <a:defRPr/>
             </a:pPr>
             <a:r>
-              <a:rPr lang="de-DE" dirty="0"/>
+              <a:rPr lang="de-DE" b="1" dirty="0"/>
               <a:t>Damit haben wir die beiden Elemente die </a:t>
             </a:r>
             <a:r>
-              <a:rPr lang="de-DE" dirty="0" err="1"/>
+              <a:rPr lang="de-DE" b="1" dirty="0" err="1"/>
               <a:t>Serverless</a:t>
             </a:r>
             <a:r>
-              <a:rPr lang="de-DE" dirty="0"/>
+              <a:rPr lang="de-DE" b="1" dirty="0"/>
               <a:t> </a:t>
             </a:r>
             <a:r>
-              <a:rPr lang="de-DE" dirty="0" err="1"/>
+              <a:rPr lang="de-DE" b="1" dirty="0" err="1"/>
               <a:t>auszeichen</a:t>
             </a:r>
-            <a:endParaRPr lang="de-DE" dirty="0"/>
-          </a:p>
-          <a:p>
-            <a:pPr marL="171450" marR="0" lvl="0" indent="-171450" algn="l" defTabSz="914400" rtl="0" eaLnBrk="1" fontAlgn="auto" latinLnBrk="0" hangingPunct="1">
-              <a:lnSpc>
-                <a:spcPct val="100000"/>
-              </a:lnSpc>
-              <a:spcBef>
-                <a:spcPts val="0"/>
-              </a:spcBef>
-              <a:spcAft>
-                <a:spcPts val="0"/>
-              </a:spcAft>
-              <a:buClrTx/>
-              <a:buSzTx/>
-              <a:buFontTx/>
-              <a:buChar char="-"/>
-              <a:tabLst/>
-              <a:defRPr/>
-            </a:pPr>
-            <a:r>
-              <a:rPr lang="de-DE" dirty="0" err="1"/>
-              <a:t>Vollgemangete</a:t>
-            </a:r>
-            <a:r>
-              <a:rPr lang="de-DE" dirty="0"/>
-              <a:t> Dienste  mit </a:t>
-            </a:r>
-            <a:r>
-              <a:rPr lang="de-DE" dirty="0" err="1"/>
-              <a:t>standartisierten</a:t>
-            </a:r>
-            <a:r>
-              <a:rPr lang="de-DE" dirty="0"/>
-              <a:t> Schnittstellen</a:t>
-            </a:r>
+            <a:endParaRPr lang="de-DE" b="1" dirty="0"/>
           </a:p>
           <a:p>
             <a:pPr marL="171450" marR="0" lvl="0" indent="-171450" algn="l" defTabSz="914400" rtl="0" eaLnBrk="1" fontAlgn="auto" latinLnBrk="0" hangingPunct="1">
@@ -2463,7 +2428,46 @@
             </a:pPr>
             <a:r>
               <a:rPr lang="de-DE" dirty="0"/>
-              <a:t>und eine Programmierplattform – in den wir unsere Logik in Funktionen codieren</a:t>
+              <a:t>Die </a:t>
+            </a:r>
+            <a:r>
+              <a:rPr lang="de-DE" dirty="0" err="1"/>
+              <a:t>Vollgemangete</a:t>
+            </a:r>
+            <a:r>
+              <a:rPr lang="de-DE" dirty="0"/>
+              <a:t> Dienste mit </a:t>
+            </a:r>
+            <a:r>
+              <a:rPr lang="de-DE" dirty="0" err="1"/>
+              <a:t>standartisierten</a:t>
+            </a:r>
+            <a:r>
+              <a:rPr lang="de-DE" dirty="0"/>
+              <a:t> Schnittstellen</a:t>
+            </a:r>
+          </a:p>
+          <a:p>
+            <a:pPr marL="171450" marR="0" lvl="0" indent="-171450" algn="l" defTabSz="914400" rtl="0" eaLnBrk="1" fontAlgn="auto" latinLnBrk="0" hangingPunct="1">
+              <a:lnSpc>
+                <a:spcPct val="100000"/>
+              </a:lnSpc>
+              <a:spcBef>
+                <a:spcPts val="0"/>
+              </a:spcBef>
+              <a:spcAft>
+                <a:spcPts val="0"/>
+              </a:spcAft>
+              <a:buClrTx/>
+              <a:buSzTx/>
+              <a:buFontTx/>
+              <a:buChar char="-"/>
+              <a:tabLst/>
+              <a:defRPr/>
+            </a:pPr>
+            <a:r>
+              <a:rPr lang="de-DE" dirty="0"/>
+              <a:t>und eine Programmierplattform – in den wir unsere Logik in Funktionen codieren können</a:t>
             </a:r>
           </a:p>
           <a:p>
@@ -2548,9 +2552,301 @@
               <a:defRPr/>
             </a:pPr>
             <a:r>
+              <a:rPr lang="de-DE" b="1" dirty="0"/>
+              <a:t>Fragen</a:t>
+            </a:r>
+          </a:p>
+          <a:p>
+            <a:pPr marL="0" marR="0" lvl="0" indent="0" algn="l" defTabSz="914400" rtl="0" eaLnBrk="1" fontAlgn="auto" latinLnBrk="0" hangingPunct="1">
+              <a:lnSpc>
+                <a:spcPct val="100000"/>
+              </a:lnSpc>
+              <a:spcBef>
+                <a:spcPts val="0"/>
+              </a:spcBef>
+              <a:spcAft>
+                <a:spcPts val="0"/>
+              </a:spcAft>
+              <a:buClrTx/>
+              <a:buSzTx/>
+              <a:buFontTx/>
+              <a:buNone/>
+              <a:tabLst/>
+              <a:defRPr/>
+            </a:pPr>
+            <a:r>
               <a:rPr lang="de-DE" dirty="0"/>
-              <a:t>Bevor wir starten haben sie noch die Gelegenheiten Fragen loszuwerden</a:t>
+              <a:t>Bevor wir starten haben sie noch die Gelegenheiten Ihre Fragen loszuwerden</a:t>
             </a:r>
+          </a:p>
+          <a:p>
+            <a:pPr marL="0" marR="0" lvl="0" indent="0" algn="l" defTabSz="914400" rtl="0" eaLnBrk="1" fontAlgn="auto" latinLnBrk="0" hangingPunct="1">
+              <a:lnSpc>
+                <a:spcPct val="100000"/>
+              </a:lnSpc>
+              <a:spcBef>
+                <a:spcPts val="0"/>
+              </a:spcBef>
+              <a:spcAft>
+                <a:spcPts val="0"/>
+              </a:spcAft>
+              <a:buClrTx/>
+              <a:buSzTx/>
+              <a:buFontTx/>
+              <a:buNone/>
+              <a:tabLst/>
+              <a:defRPr/>
+            </a:pPr>
+            <a:endParaRPr lang="de-DE" dirty="0"/>
+          </a:p>
+          <a:p>
+            <a:pPr marL="0" marR="0" lvl="0" indent="0" algn="l" defTabSz="914400" rtl="0" eaLnBrk="1" fontAlgn="auto" latinLnBrk="0" hangingPunct="1">
+              <a:lnSpc>
+                <a:spcPct val="100000"/>
+              </a:lnSpc>
+              <a:spcBef>
+                <a:spcPts val="0"/>
+              </a:spcBef>
+              <a:spcAft>
+                <a:spcPts val="0"/>
+              </a:spcAft>
+              <a:buClrTx/>
+              <a:buSzTx/>
+              <a:buFontTx/>
+              <a:buNone/>
+              <a:tabLst/>
+              <a:defRPr/>
+            </a:pPr>
+            <a:r>
+              <a:rPr lang="de-DE" b="1" dirty="0"/>
+              <a:t>Abschluss</a:t>
+            </a:r>
+          </a:p>
+          <a:p>
+            <a:pPr marL="0" marR="0" lvl="0" indent="0" algn="l" defTabSz="914400" rtl="0" eaLnBrk="1" fontAlgn="auto" latinLnBrk="0" hangingPunct="1">
+              <a:lnSpc>
+                <a:spcPct val="100000"/>
+              </a:lnSpc>
+              <a:spcBef>
+                <a:spcPts val="0"/>
+              </a:spcBef>
+              <a:spcAft>
+                <a:spcPts val="0"/>
+              </a:spcAft>
+              <a:buClrTx/>
+              <a:buSzTx/>
+              <a:buFontTx/>
+              <a:buNone/>
+              <a:tabLst/>
+              <a:defRPr/>
+            </a:pPr>
+            <a:r>
+              <a:rPr lang="de-DE" dirty="0"/>
+              <a:t>Ok dann haben wir noch ein Bitte die zwei Fliegen mit einer Klappe schlägt:</a:t>
+            </a:r>
+          </a:p>
+          <a:p>
+            <a:pPr marL="171450" marR="0" lvl="0" indent="-171450" algn="l" defTabSz="914400" rtl="0" eaLnBrk="1" fontAlgn="auto" latinLnBrk="0" hangingPunct="1">
+              <a:lnSpc>
+                <a:spcPct val="100000"/>
+              </a:lnSpc>
+              <a:spcBef>
+                <a:spcPts val="0"/>
+              </a:spcBef>
+              <a:spcAft>
+                <a:spcPts val="0"/>
+              </a:spcAft>
+              <a:buClrTx/>
+              <a:buSzTx/>
+              <a:buFontTx/>
+              <a:buChar char="-"/>
+              <a:tabLst/>
+              <a:defRPr/>
+            </a:pPr>
+            <a:r>
+              <a:rPr lang="de-DE" dirty="0"/>
+              <a:t>zum einen wir möchten die Gruppen nochmal mischen, damit sich das Erfahrungslevel besser mischt</a:t>
+            </a:r>
+          </a:p>
+          <a:p>
+            <a:pPr marL="171450" marR="0" lvl="0" indent="-171450" algn="l" defTabSz="914400" rtl="0" eaLnBrk="1" fontAlgn="auto" latinLnBrk="0" hangingPunct="1">
+              <a:lnSpc>
+                <a:spcPct val="100000"/>
+              </a:lnSpc>
+              <a:spcBef>
+                <a:spcPts val="0"/>
+              </a:spcBef>
+              <a:spcAft>
+                <a:spcPts val="0"/>
+              </a:spcAft>
+              <a:buClrTx/>
+              <a:buSzTx/>
+              <a:buFontTx/>
+              <a:buChar char="-"/>
+              <a:tabLst/>
+              <a:defRPr/>
+            </a:pPr>
+            <a:r>
+              <a:rPr lang="de-DE" dirty="0"/>
+              <a:t>zum anderen ist das nochmal eine Gelegenheit die Glieder zu strecken</a:t>
+            </a:r>
+          </a:p>
+          <a:p>
+            <a:pPr marL="171450" marR="0" lvl="0" indent="-171450" algn="l" defTabSz="914400" rtl="0" eaLnBrk="1" fontAlgn="auto" latinLnBrk="0" hangingPunct="1">
+              <a:lnSpc>
+                <a:spcPct val="100000"/>
+              </a:lnSpc>
+              <a:spcBef>
+                <a:spcPts val="0"/>
+              </a:spcBef>
+              <a:spcAft>
+                <a:spcPts val="0"/>
+              </a:spcAft>
+              <a:buClrTx/>
+              <a:buSzTx/>
+              <a:buFontTx/>
+              <a:buChar char="-"/>
+              <a:tabLst/>
+              <a:defRPr/>
+            </a:pPr>
+            <a:endParaRPr lang="de-DE" dirty="0"/>
+          </a:p>
+          <a:p>
+            <a:pPr marL="0" marR="0" lvl="0" indent="0" algn="l" defTabSz="914400" rtl="0" eaLnBrk="1" fontAlgn="auto" latinLnBrk="0" hangingPunct="1">
+              <a:lnSpc>
+                <a:spcPct val="100000"/>
+              </a:lnSpc>
+              <a:spcBef>
+                <a:spcPts val="0"/>
+              </a:spcBef>
+              <a:spcAft>
+                <a:spcPts val="0"/>
+              </a:spcAft>
+              <a:buClrTx/>
+              <a:buSzTx/>
+              <a:buFontTx/>
+              <a:buNone/>
+              <a:tabLst/>
+              <a:defRPr/>
+            </a:pPr>
+            <a:r>
+              <a:rPr lang="de-DE" b="1" dirty="0"/>
+              <a:t>Gruppen mischen</a:t>
+            </a:r>
+          </a:p>
+          <a:p>
+            <a:pPr marL="0" marR="0" lvl="0" indent="0" algn="l" defTabSz="914400" rtl="0" eaLnBrk="1" fontAlgn="auto" latinLnBrk="0" hangingPunct="1">
+              <a:lnSpc>
+                <a:spcPct val="100000"/>
+              </a:lnSpc>
+              <a:spcBef>
+                <a:spcPts val="0"/>
+              </a:spcBef>
+              <a:spcAft>
+                <a:spcPts val="0"/>
+              </a:spcAft>
+              <a:buClrTx/>
+              <a:buSzTx/>
+              <a:buFontTx/>
+              <a:buNone/>
+              <a:tabLst/>
+              <a:defRPr/>
+            </a:pPr>
+            <a:r>
+              <a:rPr lang="de-DE" dirty="0"/>
+              <a:t>- Dazu stellen wir nun zwei Pole auf (Harrer + Lisa). Der Herr Harrer ist unser </a:t>
+            </a:r>
+            <a:r>
+              <a:rPr lang="de-DE" dirty="0" err="1"/>
+              <a:t>CloudNative</a:t>
+            </a:r>
+            <a:r>
+              <a:rPr lang="de-DE" dirty="0"/>
+              <a:t> Experte und die Frau Lechner kommt aus dem Marketing. </a:t>
+            </a:r>
+          </a:p>
+          <a:p>
+            <a:pPr marL="171450" marR="0" lvl="0" indent="-171450" algn="l" defTabSz="914400" rtl="0" eaLnBrk="1" fontAlgn="auto" latinLnBrk="0" hangingPunct="1">
+              <a:lnSpc>
+                <a:spcPct val="100000"/>
+              </a:lnSpc>
+              <a:spcBef>
+                <a:spcPts val="0"/>
+              </a:spcBef>
+              <a:spcAft>
+                <a:spcPts val="0"/>
+              </a:spcAft>
+              <a:buClrTx/>
+              <a:buSzTx/>
+              <a:buFontTx/>
+              <a:buChar char="-"/>
+              <a:tabLst/>
+              <a:defRPr/>
+            </a:pPr>
+            <a:r>
+              <a:rPr lang="de-DE" dirty="0"/>
+              <a:t>Sie haben nun in den letzten Stunden schon einen Eindruck gewonnen was </a:t>
+            </a:r>
+            <a:r>
+              <a:rPr lang="de-DE" dirty="0" err="1"/>
+              <a:t>CloudNative</a:t>
+            </a:r>
+            <a:r>
+              <a:rPr lang="de-DE" dirty="0"/>
+              <a:t> sein kann. Ich würde sie nun bitten sich zwischen den beiden Polen zu stellen - danach würden wir durchzählen</a:t>
+            </a:r>
+          </a:p>
+          <a:p>
+            <a:pPr marL="171450" marR="0" lvl="0" indent="-171450" algn="l" defTabSz="914400" rtl="0" eaLnBrk="1" fontAlgn="auto" latinLnBrk="0" hangingPunct="1">
+              <a:lnSpc>
+                <a:spcPct val="100000"/>
+              </a:lnSpc>
+              <a:spcBef>
+                <a:spcPts val="0"/>
+              </a:spcBef>
+              <a:spcAft>
+                <a:spcPts val="0"/>
+              </a:spcAft>
+              <a:buClrTx/>
+              <a:buSzTx/>
+              <a:buFontTx/>
+              <a:buChar char="-"/>
+              <a:tabLst/>
+              <a:defRPr/>
+            </a:pPr>
+            <a:endParaRPr lang="de-DE" dirty="0"/>
+          </a:p>
+          <a:p>
+            <a:pPr marL="171450" marR="0" lvl="0" indent="-171450" algn="l" defTabSz="914400" rtl="0" eaLnBrk="1" fontAlgn="auto" latinLnBrk="0" hangingPunct="1">
+              <a:lnSpc>
+                <a:spcPct val="100000"/>
+              </a:lnSpc>
+              <a:spcBef>
+                <a:spcPts val="0"/>
+              </a:spcBef>
+              <a:spcAft>
+                <a:spcPts val="0"/>
+              </a:spcAft>
+              <a:buClrTx/>
+              <a:buSzTx/>
+              <a:buFontTx/>
+              <a:buChar char="-"/>
+              <a:tabLst/>
+              <a:defRPr/>
+            </a:pPr>
+            <a:r>
+              <a:rPr lang="de-DE" dirty="0" err="1"/>
+              <a:t>gruppenanzahl</a:t>
+            </a:r>
+            <a:r>
+              <a:rPr lang="de-DE" dirty="0"/>
+              <a:t> und </a:t>
+            </a:r>
+            <a:r>
+              <a:rPr lang="de-DE" dirty="0" err="1"/>
+              <a:t>tischnummer</a:t>
+            </a:r>
+            <a:endParaRPr lang="de-DE" dirty="0"/>
           </a:p>
         </p:txBody>
       </p:sp>
@@ -2640,37 +2936,50 @@
             </a:r>
             <a:r>
               <a:rPr lang="de-DE" dirty="0"/>
-              <a:t> (2h + pause + danach Abschluss um die Eindrücke nochmal zu reflektieren)</a:t>
+              <a:t> (2h spannendes Handout + pause + danach machen wir noch ein </a:t>
             </a:r>
-          </a:p>
-          <a:p>
-            <a:pPr marL="171450" indent="-171450">
-              <a:buFontTx/>
-              <a:buChar char="-"/>
+            <a:r>
+              <a:rPr lang="de-DE" dirty="0" err="1"/>
+              <a:t>Wrap-up</a:t>
+            </a:r>
+            <a:r>
+              <a:rPr lang="de-DE" dirty="0"/>
+              <a:t> um die Eindrücke nochmal zu reflektieren)</a:t>
+            </a:r>
+          </a:p>
+          <a:p>
+            <a:pPr marL="228600" indent="-228600">
+              <a:buFont typeface="+mj-lt"/>
+              <a:buAutoNum type="arabicPeriod"/>
             </a:pPr>
             <a:r>
               <a:rPr lang="de-DE" dirty="0"/>
-              <a:t>Einführung</a:t>
+              <a:t>Einführung in </a:t>
             </a:r>
-          </a:p>
-          <a:p>
-            <a:pPr marL="171450" indent="-171450">
-              <a:buFontTx/>
-              <a:buChar char="-"/>
+            <a:r>
+              <a:rPr lang="de-DE" dirty="0" err="1"/>
+              <a:t>Serverless</a:t>
+            </a:r>
+            <a:endParaRPr lang="de-DE" dirty="0"/>
+          </a:p>
+          <a:p>
+            <a:pPr marL="228600" indent="-228600">
+              <a:buFont typeface="+mj-lt"/>
+              <a:buAutoNum type="arabicPeriod"/>
             </a:pPr>
             <a:r>
               <a:rPr lang="de-DE" dirty="0"/>
-              <a:t>Mit der Entwicklungsmaschine</a:t>
+              <a:t>Dann setzen wir uns an die Entwicklungsmaschine</a:t>
             </a:r>
           </a:p>
           <a:p>
-            <a:pPr marL="171450" indent="-171450">
-              <a:buFontTx/>
-              <a:buChar char="-"/>
+            <a:pPr marL="228600" indent="-228600">
+              <a:buFont typeface="+mj-lt"/>
+              <a:buAutoNum type="arabicPeriod"/>
             </a:pPr>
             <a:r>
               <a:rPr lang="de-DE" dirty="0"/>
-              <a:t>5 Aufgaben zu dem Thema wie </a:t>
+              <a:t>5 Aufgaben zu dem Thema wie man </a:t>
             </a:r>
             <a:r>
               <a:rPr lang="de-DE" dirty="0" err="1"/>
@@ -2678,7 +2987,7 @@
             </a:r>
             <a:r>
               <a:rPr lang="de-DE" dirty="0"/>
-              <a:t> bauen, stressen und für die Zukunft uns schon mal vorbereiten</a:t>
+              <a:t> bauen, stressen und sich für die Zukunft uns schon mal vorbereiten</a:t>
             </a:r>
           </a:p>
           <a:p>
@@ -2772,37 +3081,50 @@
             </a:r>
             <a:r>
               <a:rPr lang="de-DE" dirty="0"/>
-              <a:t> (2h + pause + danach Abschluss um die Eindrücke nochmal zu reflektieren)</a:t>
+              <a:t> (2h spannendes Handout + pause + danach machen wir noch ein </a:t>
             </a:r>
-          </a:p>
-          <a:p>
-            <a:pPr marL="171450" indent="-171450">
-              <a:buFontTx/>
-              <a:buChar char="-"/>
+            <a:r>
+              <a:rPr lang="de-DE" dirty="0" err="1"/>
+              <a:t>Wrap-up</a:t>
+            </a:r>
+            <a:r>
+              <a:rPr lang="de-DE" dirty="0"/>
+              <a:t> um die Eindrücke nochmal zu reflektieren)</a:t>
+            </a:r>
+          </a:p>
+          <a:p>
+            <a:pPr marL="228600" indent="-228600">
+              <a:buFont typeface="+mj-lt"/>
+              <a:buAutoNum type="arabicPeriod"/>
             </a:pPr>
             <a:r>
               <a:rPr lang="de-DE" dirty="0"/>
-              <a:t>Einführung</a:t>
+              <a:t>Einführung in </a:t>
             </a:r>
-          </a:p>
-          <a:p>
-            <a:pPr marL="171450" indent="-171450">
-              <a:buFontTx/>
-              <a:buChar char="-"/>
+            <a:r>
+              <a:rPr lang="de-DE" dirty="0" err="1"/>
+              <a:t>Serverless</a:t>
+            </a:r>
+            <a:endParaRPr lang="de-DE" dirty="0"/>
+          </a:p>
+          <a:p>
+            <a:pPr marL="228600" indent="-228600">
+              <a:buFont typeface="+mj-lt"/>
+              <a:buAutoNum type="arabicPeriod"/>
             </a:pPr>
             <a:r>
               <a:rPr lang="de-DE" dirty="0"/>
-              <a:t>Mit der Entwicklungsmaschine</a:t>
+              <a:t>Dann setzen wir uns an die Entwicklungsmaschine</a:t>
             </a:r>
           </a:p>
           <a:p>
-            <a:pPr marL="171450" indent="-171450">
-              <a:buFontTx/>
-              <a:buChar char="-"/>
+            <a:pPr marL="228600" indent="-228600">
+              <a:buFont typeface="+mj-lt"/>
+              <a:buAutoNum type="arabicPeriod"/>
             </a:pPr>
             <a:r>
               <a:rPr lang="de-DE" dirty="0"/>
-              <a:t>5 Aufgaben zu dem Thema wie </a:t>
+              <a:t>5 Aufgaben zu dem Thema wie man </a:t>
             </a:r>
             <a:r>
               <a:rPr lang="de-DE" dirty="0" err="1"/>
@@ -2810,7 +3132,7 @@
             </a:r>
             <a:r>
               <a:rPr lang="de-DE" dirty="0"/>
-              <a:t> bauen, stressen und für die Zukunft uns schon mal vorbereiten</a:t>
+              <a:t> bauen, stressen und sich für die Zukunft uns schon mal vorbereiten</a:t>
             </a:r>
           </a:p>
           <a:p>
@@ -2818,19 +3140,17 @@
           </a:p>
           <a:p>
             <a:r>
-              <a:rPr lang="de-DE" dirty="0"/>
+              <a:rPr lang="de-DE" b="1" dirty="0"/>
               <a:t>Was ist nun </a:t>
             </a:r>
             <a:r>
-              <a:rPr lang="de-DE" dirty="0" err="1"/>
+              <a:rPr lang="de-DE" b="1" dirty="0" err="1"/>
               <a:t>Serverless</a:t>
             </a:r>
             <a:r>
-              <a:rPr lang="de-DE" dirty="0"/>
+              <a:rPr lang="de-DE" b="1" dirty="0"/>
               <a:t>?</a:t>
             </a:r>
-          </a:p>
-          <a:p>
             <a:endParaRPr lang="de-DE" dirty="0"/>
           </a:p>
           <a:p>
@@ -2840,7 +3160,7 @@
             </a:r>
             <a:r>
               <a:rPr lang="de-DE" dirty="0"/>
-              <a:t>. Dieses Wort ist totaler Käse, ein Witz in der IT Geschichte und hat das Thema dahinter gefühlt mal um ein paar Jahre zurückgeworfen.</a:t>
+              <a:t>. Dieses Wort ist totaler Käse, ein Witz in der IT Geschichte und das hat das Thema dahinter gefühlt mal um ein paar Jahre zurückgeworfen.</a:t>
             </a:r>
           </a:p>
           <a:p>
@@ -2910,7 +3230,7 @@
           <a:p>
             <a:r>
               <a:rPr lang="de-DE" dirty="0"/>
-              <a:t>Mittlerweile sind wir im Verständnis weiter, der Name ist nur hartnäckig geblieben</a:t>
+              <a:t>Mittlerweile sind wir im Verständnis weiter, nur der Name ist hartnäckig geblieben</a:t>
             </a:r>
           </a:p>
           <a:p>
@@ -3006,7 +3326,7 @@
           <a:p>
             <a:r>
               <a:rPr lang="de-DE" b="0" dirty="0"/>
-              <a:t>Also es heißt natürlich nicht das es keine Server mehr gibt, die gibt es schon noch, nur stehen die nicht mehr bei uns unter unseren eigenen Schreibtisch und wärmen uns beruhigend die Füße</a:t>
+              <a:t>Natürlich nicht.  Die gibt es weiterhin, nur stehen die nicht mehr bei uns unter unseren eigenen Schreibtisch und wärmen uns beruhigend die Füße</a:t>
             </a:r>
           </a:p>
           <a:p>
@@ -3022,7 +3342,7 @@
             </a:pPr>
             <a:r>
               <a:rPr lang="de-DE" b="0" dirty="0"/>
-              <a:t>Kontrolle und Verantwortung an einen externe Stelle. Der Wunsch des Gedanken ist, das wir uns auf das  konzentrieren können mit was wir wirklich Geld verdienen, den die wenigsten hier im Raum verdienen ihr Geld mit Servern</a:t>
+              <a:t>Kontrolle und Verantwortung an einen externe Stelle. Der Wunsch des Gedanken ist, das wir uns auf das  konzentrieren können mit was wir wirklich Geld verdienen, den die wenigsten hier im Raum verdienen ihr Geld Servern</a:t>
             </a:r>
           </a:p>
           <a:p>
@@ -3133,23 +3453,23 @@
           <a:bodyPr/>
           <a:lstStyle/>
           <a:p>
+            <a:pPr marL="0" indent="0">
+              <a:buFontTx/>
+              <a:buNone/>
+            </a:pPr>
+            <a:r>
+              <a:rPr lang="de-DE" b="1" dirty="0"/>
+              <a:t>weniger Server?</a:t>
+            </a:r>
+          </a:p>
+          <a:p>
             <a:pPr marL="171450" indent="-171450">
               <a:buFontTx/>
               <a:buChar char="-"/>
             </a:pPr>
             <a:r>
               <a:rPr lang="de-DE" dirty="0"/>
-              <a:t>heißt das nun wir haben nun weniger Server?</a:t>
-            </a:r>
-          </a:p>
-          <a:p>
-            <a:pPr marL="171450" indent="-171450">
-              <a:buFontTx/>
-              <a:buChar char="-"/>
-            </a:pPr>
-            <a:r>
-              <a:rPr lang="de-DE" dirty="0"/>
-              <a:t>Das kommt der Antwort schon ein wenig näher – </a:t>
+              <a:t>Das kommt der Antwort schon ein etwas näher – </a:t>
             </a:r>
           </a:p>
           <a:p>
@@ -3180,7 +3500,7 @@
             </a:r>
             <a:r>
               <a:rPr lang="de-DE" b="0" dirty="0"/>
-              <a:t> mit HW begonnen und mittlerweile ist auch ein sehr großen Zoo von SW Diensten dazugekommen (z.B. Tools aus dem Bereich </a:t>
+              <a:t> mit HW begonnen und mittlerweile ist auch ein sehr großen Zoo von SW Diensten dazugekommen (z.B. Technologien aus dem Bereich </a:t>
             </a:r>
             <a:r>
               <a:rPr lang="de-DE" b="0" dirty="0" err="1"/>
@@ -3188,7 +3508,7 @@
             </a:r>
             <a:r>
               <a:rPr lang="de-DE" b="0" dirty="0"/>
-              <a:t>, ML, Sicherheit usw. ). Und die werden in allen </a:t>
+              <a:t>, ML, Sicherheit usw. ). Und die werden in der Cloud in allen </a:t>
             </a:r>
             <a:r>
               <a:rPr lang="de-DE" b="0" dirty="0" err="1"/>
@@ -3200,7 +3520,7 @@
             </a:r>
           </a:p>
           <a:p>
-            <a:pPr marL="628650" marR="0" lvl="1" indent="-171450" algn="l" defTabSz="914400" rtl="0" eaLnBrk="1" fontAlgn="auto" latinLnBrk="0" hangingPunct="1">
+            <a:pPr marL="685800" marR="0" lvl="1" indent="-228600" algn="l" defTabSz="914400" rtl="0" eaLnBrk="1" fontAlgn="auto" latinLnBrk="0" hangingPunct="1">
               <a:lnSpc>
                 <a:spcPct val="100000"/>
               </a:lnSpc>
@@ -3212,8 +3532,8 @@
               </a:spcAft>
               <a:buClrTx/>
               <a:buSzTx/>
-              <a:buFontTx/>
-              <a:buChar char="-"/>
+              <a:buFont typeface="+mj-lt"/>
+              <a:buAutoNum type="arabicPeriod"/>
               <a:tabLst/>
               <a:defRPr/>
             </a:pPr>
@@ -3223,7 +3543,7 @@
             </a:r>
           </a:p>
           <a:p>
-            <a:pPr marL="628650" marR="0" lvl="1" indent="-171450" algn="l" defTabSz="914400" rtl="0" eaLnBrk="1" fontAlgn="auto" latinLnBrk="0" hangingPunct="1">
+            <a:pPr marL="685800" marR="0" lvl="1" indent="-228600" algn="l" defTabSz="914400" rtl="0" eaLnBrk="1" fontAlgn="auto" latinLnBrk="0" hangingPunct="1">
               <a:lnSpc>
                 <a:spcPct val="100000"/>
               </a:lnSpc>
@@ -3235,8 +3555,8 @@
               </a:spcAft>
               <a:buClrTx/>
               <a:buSzTx/>
-              <a:buFontTx/>
-              <a:buChar char="-"/>
+              <a:buFont typeface="+mj-lt"/>
+              <a:buAutoNum type="arabicPeriod"/>
               <a:tabLst/>
               <a:defRPr/>
             </a:pPr>
@@ -3254,7 +3574,7 @@
             </a:r>
           </a:p>
           <a:p>
-            <a:pPr marL="628650" marR="0" lvl="1" indent="-171450" algn="l" defTabSz="914400" rtl="0" eaLnBrk="1" fontAlgn="auto" latinLnBrk="0" hangingPunct="1">
+            <a:pPr marL="685800" marR="0" lvl="1" indent="-228600" algn="l" defTabSz="914400" rtl="0" eaLnBrk="1" fontAlgn="auto" latinLnBrk="0" hangingPunct="1">
               <a:lnSpc>
                 <a:spcPct val="100000"/>
               </a:lnSpc>
@@ -3266,14 +3586,14 @@
               </a:spcAft>
               <a:buClrTx/>
               <a:buSzTx/>
-              <a:buFontTx/>
-              <a:buChar char="-"/>
+              <a:buFont typeface="+mj-lt"/>
+              <a:buAutoNum type="arabicPeriod"/>
               <a:tabLst/>
               <a:defRPr/>
             </a:pPr>
             <a:r>
               <a:rPr lang="de-DE" b="0" dirty="0"/>
-              <a:t>oder ich lasse mir nur noch eine Schnittstelle geben die nur noch 4 Grundoperationen beherrscht: erzeugen, lesen, verändern und löschen – das </a:t>
+              <a:t>oder ich lasse mir nur noch eine Schnittstelle geben - die nur noch 4 Grundoperationen beherrscht: erzeugen, lesen, verändern und löschen – das </a:t>
             </a:r>
             <a:r>
               <a:rPr lang="de-DE" b="0" dirty="0" err="1"/>
@@ -3408,19 +3728,6 @@
           <a:bodyPr/>
           <a:lstStyle/>
           <a:p>
-            <a:endParaRPr lang="de-DE" b="1" dirty="0"/>
-          </a:p>
-          <a:p>
-            <a:pPr marL="171450" indent="-171450">
-              <a:buFontTx/>
-              <a:buChar char="-"/>
-            </a:pPr>
-            <a:r>
-              <a:rPr lang="de-DE" dirty="0"/>
-              <a:t>Wir gehen mal ein paar Jahre zurück </a:t>
-            </a:r>
-          </a:p>
-          <a:p>
             <a:pPr marL="171450" indent="-171450">
               <a:buFontTx/>
               <a:buChar char="-"/>
@@ -3435,13 +3742,8 @@
             </a:r>
             <a:r>
               <a:rPr lang="de-DE" dirty="0"/>
-              <a:t> noch in einem großen Würfel auf einen Server ausgeliefert. In unserem Beispiel habe wir mal die Schnittstellen eines Onlineshops </a:t>
+              <a:t> noch in einem großen Würfel auf einen Server ausgeliefert - In unserem Beispiel habe wir mal die Schnittstellen eines Onlineshops beschrieben</a:t>
             </a:r>
-            <a:r>
-              <a:rPr lang="de-DE" dirty="0" err="1"/>
-              <a:t>drangehänd</a:t>
-            </a:r>
-            <a:endParaRPr lang="de-DE" dirty="0"/>
           </a:p>
           <a:p>
             <a:pPr marL="628650" lvl="1" indent="-171450">
@@ -3500,7 +3802,7 @@
             </a:pPr>
             <a:r>
               <a:rPr lang="de-DE" dirty="0"/>
-              <a:t>die Anforderungen der Endkunden stiegen (wie Verfügbarkeit, Schnelligkeit) und die HW konnte meist nicht mehr mithalten, wir mussten den großen Würfel verdoppeln, verdreifachen, …</a:t>
+              <a:t>die Anforderungen der Endkunden stiegen (Themen wie Verfügbarkeit, Schnelligkeit) und die HW konnte meist nicht mehr mithalten, wir mussten den großen Würfel also verdoppeln, verdreifachen, … sie merken schon das wir mühsam</a:t>
             </a:r>
           </a:p>
           <a:p>
@@ -3510,15 +3812,7 @@
             </a:pPr>
             <a:r>
               <a:rPr lang="de-DE" dirty="0"/>
-              <a:t>und das richtige schlimme war meist waren es nur einzelne </a:t>
-            </a:r>
-            <a:r>
-              <a:rPr lang="de-DE" dirty="0" err="1"/>
-              <a:t>Funktionaliäten</a:t>
-            </a:r>
-            <a:r>
-              <a:rPr lang="de-DE" dirty="0"/>
-              <a:t> wie der Warenkorb der diese Anforderungen</a:t>
+              <a:t>und das richtige schlimme war das die Funktionalitäten unterschiedliche Anforderungen hatte z.B. wurde der Warenbestand wesentlich häufiger abgefragt als die Benutzerverwaltung</a:t>
             </a:r>
           </a:p>
           <a:p>
@@ -3615,7 +3909,7 @@
           <a:p>
             <a:r>
               <a:rPr lang="de-DE" dirty="0"/>
-              <a:t>Also kam man auf die Idee den Monolithen in kleinere fachliche Einheiten zu zerlegen</a:t>
+              <a:t>Also kam man in die Not den Monolithen in kleinere fachliche Einheiten zu zerlegen und zu betreuen.</a:t>
             </a:r>
           </a:p>
           <a:p>
@@ -3630,15 +3924,15 @@
           <a:p>
             <a:r>
               <a:rPr lang="de-DE" dirty="0"/>
-              <a:t>Wir kennen diese Ansatz unter dem Namen </a:t>
+              <a:t>Dieser Schritt hat eine ganze Reihe neuer Ansätze hervorgebracht wie z.B. </a:t>
             </a:r>
             <a:r>
               <a:rPr lang="de-DE" dirty="0" err="1"/>
-              <a:t>Microservices</a:t>
+              <a:t>Microservice</a:t>
             </a:r>
             <a:r>
               <a:rPr lang="de-DE" dirty="0"/>
-              <a:t>. Welche z.B. auf einem </a:t>
+              <a:t> Architekturen, Containerorchestrierung wie </a:t>
             </a:r>
             <a:r>
               <a:rPr lang="de-DE" dirty="0" err="1"/>
@@ -3646,32 +3940,45 @@
             </a:r>
             <a:r>
               <a:rPr lang="de-DE" dirty="0"/>
-              <a:t> Cluster installiert werden. Das ist ein Wandel den wir in Unternehmen die </a:t>
+              <a:t>, Domain </a:t>
             </a:r>
             <a:r>
               <a:rPr lang="de-DE" dirty="0" err="1"/>
-              <a:t>letzen</a:t>
+              <a:t>driven</a:t>
             </a:r>
             <a:r>
               <a:rPr lang="de-DE" dirty="0"/>
-              <a:t> Jahre begleitet haben</a:t>
+              <a:t> Design. </a:t>
             </a:r>
-          </a:p>
-          <a:p>
-            <a:endParaRPr lang="de-DE" dirty="0"/>
-          </a:p>
-          <a:p>
+            <a:br>
+              <a:rPr lang="de-DE" dirty="0"/>
+            </a:br>
             <a:r>
               <a:rPr lang="de-DE" dirty="0"/>
-              <a:t>Diese </a:t>
+              <a:t>Mit der man diese neue Komplexität der Verteilung </a:t>
             </a:r>
             <a:r>
               <a:rPr lang="de-DE" dirty="0" err="1"/>
-              <a:t>unabhängigkeit</a:t>
+              <a:t>beherschbar</a:t>
             </a:r>
             <a:r>
               <a:rPr lang="de-DE" dirty="0"/>
-              <a:t> bringt uns Vorteile und man kann diese Idee noch weitertreiben</a:t>
+              <a:t> macht.</a:t>
+            </a:r>
+          </a:p>
+          <a:p>
+            <a:r>
+              <a:rPr lang="de-DE" dirty="0"/>
+              <a:t>Das ist ein Wandel den wir in Unternehmen in den letzten Jahre begleitet haben.</a:t>
+            </a:r>
+          </a:p>
+          <a:p>
+            <a:endParaRPr lang="de-DE" dirty="0"/>
+          </a:p>
+          <a:p>
+            <a:r>
+              <a:rPr lang="de-DE" dirty="0"/>
+              <a:t>So diese Unabhängigkeit kann man von dieser Idee noch weitertreiben</a:t>
             </a:r>
           </a:p>
           <a:p>
@@ -3679,86 +3986,6 @@
               <a:buFontTx/>
               <a:buChar char="-"/>
             </a:pPr>
-            <a:endParaRPr lang="de-DE" dirty="0"/>
-          </a:p>
-          <a:p>
-            <a:pPr marL="171450" indent="-171450">
-              <a:buFontTx/>
-              <a:buChar char="-"/>
-            </a:pPr>
-            <a:endParaRPr lang="de-DE" dirty="0"/>
-          </a:p>
-          <a:p>
-            <a:pPr marL="171450" indent="-171450">
-              <a:buFontTx/>
-              <a:buChar char="-"/>
-            </a:pPr>
-            <a:r>
-              <a:rPr lang="de-DE" dirty="0"/>
-              <a:t>different </a:t>
-            </a:r>
-            <a:r>
-              <a:rPr lang="de-DE" dirty="0" err="1"/>
-              <a:t>teams</a:t>
-            </a:r>
-            <a:endParaRPr lang="de-DE" dirty="0"/>
-          </a:p>
-          <a:p>
-            <a:pPr marL="171450" indent="-171450">
-              <a:buFontTx/>
-              <a:buChar char="-"/>
-            </a:pPr>
-            <a:r>
-              <a:rPr lang="de-DE" dirty="0"/>
-              <a:t>different </a:t>
-            </a:r>
-            <a:r>
-              <a:rPr lang="de-DE" dirty="0" err="1"/>
-              <a:t>compute</a:t>
-            </a:r>
-            <a:r>
-              <a:rPr lang="de-DE" dirty="0"/>
-              <a:t>/</a:t>
-            </a:r>
-            <a:r>
-              <a:rPr lang="de-DE" dirty="0" err="1"/>
-              <a:t>memory</a:t>
-            </a:r>
-            <a:endParaRPr lang="de-DE" dirty="0"/>
-          </a:p>
-          <a:p>
-            <a:pPr marL="171450" indent="-171450">
-              <a:buFontTx/>
-              <a:buChar char="-"/>
-            </a:pPr>
-            <a:r>
-              <a:rPr lang="de-DE" dirty="0" err="1"/>
-              <a:t>network</a:t>
-            </a:r>
-            <a:r>
-              <a:rPr lang="de-DE" dirty="0"/>
-              <a:t> </a:t>
-            </a:r>
-            <a:r>
-              <a:rPr lang="de-DE" dirty="0" err="1"/>
-              <a:t>complexity</a:t>
-            </a:r>
-            <a:r>
-              <a:rPr lang="de-DE" dirty="0"/>
-              <a:t> </a:t>
-            </a:r>
-            <a:r>
-              <a:rPr lang="de-DE" dirty="0" err="1"/>
-              <a:t>is</a:t>
-            </a:r>
-            <a:r>
-              <a:rPr lang="de-DE" dirty="0"/>
-              <a:t> </a:t>
-            </a:r>
-            <a:r>
-              <a:rPr lang="de-DE" dirty="0" err="1"/>
-              <a:t>rising</a:t>
-            </a:r>
             <a:endParaRPr lang="de-DE" dirty="0"/>
           </a:p>
           <a:p>
@@ -3878,7 +4105,7 @@
             </a:pPr>
             <a:r>
               <a:rPr lang="de-DE" dirty="0"/>
-              <a:t>In unserem Fall Benutzer:</a:t>
+              <a:t>In unserem Fall nehmen wir die Benutzerverwaltung:</a:t>
             </a:r>
           </a:p>
           <a:p>
@@ -3936,56 +4163,6 @@
             <a:r>
               <a:rPr lang="de-DE" dirty="0"/>
               <a:t>Und da schließt sich unser Kreis, …</a:t>
-            </a:r>
-          </a:p>
-          <a:p>
-            <a:pPr marL="0" indent="0">
-              <a:buFontTx/>
-              <a:buNone/>
-            </a:pPr>
-            <a:endParaRPr lang="de-DE" dirty="0"/>
-          </a:p>
-          <a:p>
-            <a:pPr marL="0" indent="0">
-              <a:buFontTx/>
-              <a:buNone/>
-            </a:pPr>
-            <a:endParaRPr lang="de-DE" dirty="0"/>
-          </a:p>
-          <a:p>
-            <a:pPr marL="0" indent="0">
-              <a:buFontTx/>
-              <a:buNone/>
-            </a:pPr>
-            <a:endParaRPr lang="de-DE" dirty="0"/>
-          </a:p>
-          <a:p>
-            <a:pPr marL="0" indent="0">
-              <a:buFontTx/>
-              <a:buNone/>
-            </a:pPr>
-            <a:endParaRPr lang="de-DE" dirty="0"/>
-          </a:p>
-          <a:p>
-            <a:pPr marL="0" indent="0">
-              <a:buFontTx/>
-              <a:buNone/>
-            </a:pPr>
-            <a:r>
-              <a:rPr lang="de-DE" dirty="0" err="1"/>
-              <a:t>pet</a:t>
-            </a:r>
-            <a:r>
-              <a:rPr lang="de-DE" dirty="0"/>
-              <a:t> – </a:t>
-            </a:r>
-            <a:r>
-              <a:rPr lang="de-DE" dirty="0" err="1"/>
-              <a:t>cattle</a:t>
-            </a:r>
-            <a:r>
-              <a:rPr lang="de-DE" dirty="0"/>
-              <a:t> - butterflies</a:t>
             </a:r>
           </a:p>
         </p:txBody>
@@ -4089,7 +4266,15 @@
             </a:pPr>
             <a:r>
               <a:rPr lang="de-DE" dirty="0"/>
-              <a:t>Und da schließt sich unser Kreis, …der Cloudprovider bietet dafür ein neues Programmiermodell an.</a:t>
+              <a:t>Und da schließt sich unser Kreis, …der Cloudprovider bietet dafür ein neues Programmiermodell an was sich </a:t>
+            </a:r>
+            <a:r>
+              <a:rPr lang="de-DE" dirty="0" err="1"/>
+              <a:t>Serverless</a:t>
+            </a:r>
+            <a:r>
+              <a:rPr lang="de-DE" dirty="0"/>
+              <a:t> nennt.</a:t>
             </a:r>
           </a:p>
           <a:p>
@@ -4112,7 +4297,7 @@
             </a:pPr>
             <a:r>
               <a:rPr lang="de-DE" dirty="0"/>
-              <a:t>Was unseren </a:t>
+              <a:t>Diese bietet unseren</a:t>
             </a:r>
           </a:p>
           <a:p>
@@ -4135,7 +4320,7 @@
             </a:pPr>
             <a:r>
               <a:rPr lang="de-DE" dirty="0"/>
-              <a:t>kleine und schnell laufenden Funktionen eine Plattform bietet</a:t>
+              <a:t>kleinen und schnell laufenden Funktionen eine Plattform</a:t>
             </a:r>
           </a:p>
           <a:p>
@@ -4158,7 +4343,7 @@
             </a:pPr>
             <a:r>
               <a:rPr lang="de-DE" dirty="0"/>
-              <a:t>alles ist maximal abstrahiert hinter </a:t>
+              <a:t>alles notwendigen Dienste dazu sind maximal abstrahiert hinter </a:t>
             </a:r>
             <a:r>
               <a:rPr lang="de-DE" dirty="0" err="1"/>
@@ -4166,7 +4351,7 @@
             </a:r>
             <a:r>
               <a:rPr lang="de-DE" dirty="0"/>
-              <a:t> und man muss sich nicht mehr darum kümmern wie die Dinge installiert, konfiguriert oder unter der Haube zusammen funktionieren</a:t>
+              <a:t> und man muss sich nicht mehr darum kümmern wie die Dinge installiert, konfiguriert oder unter der Haube zusammen funktionieren. Z.B warum sollte ich mir zum 10 mal Gedanken machen wie ich eine Authentifizierung sicherstelle oder eine Datenbank optimiere?</a:t>
             </a:r>
           </a:p>
           <a:p>
@@ -4209,93 +4394,9 @@
             </a:pPr>
             <a:r>
               <a:rPr lang="de-DE" dirty="0"/>
-              <a:t>Damit hab ich maximalen Fokus auf mein Geschäftsmodel und den Endkunden</a:t>
+              <a:t>Damit schafft man sich maximalen Fokus auf die Umsetzung des eigenen Geschäftsmodel und kann Endkundenwünsche noch schneller umsetzen</a:t>
             </a:r>
-          </a:p>
-          <a:p>
             <a:endParaRPr lang="de-DE" b="0" dirty="0"/>
-          </a:p>
-          <a:p>
-            <a:endParaRPr lang="de-DE" b="0" dirty="0"/>
-          </a:p>
-          <a:p>
-            <a:endParaRPr lang="de-DE" b="0" dirty="0"/>
-          </a:p>
-          <a:p>
-            <a:endParaRPr lang="de-DE" b="0" dirty="0"/>
-          </a:p>
-          <a:p>
-            <a:endParaRPr lang="de-DE" b="0" dirty="0"/>
-          </a:p>
-          <a:p>
-            <a:pPr marL="0" marR="0" lvl="0" indent="0" algn="l" defTabSz="914400" rtl="0" eaLnBrk="1" fontAlgn="auto" latinLnBrk="0" hangingPunct="1">
-              <a:lnSpc>
-                <a:spcPct val="100000"/>
-              </a:lnSpc>
-              <a:spcBef>
-                <a:spcPts val="0"/>
-              </a:spcBef>
-              <a:spcAft>
-                <a:spcPts val="0"/>
-              </a:spcAft>
-              <a:buClrTx/>
-              <a:buSzTx/>
-              <a:buFontTx/>
-              <a:buNone/>
-              <a:tabLst/>
-              <a:defRPr/>
-            </a:pPr>
-            <a:endParaRPr lang="de-DE" b="0" dirty="0"/>
-          </a:p>
-          <a:p>
-            <a:endParaRPr lang="de-DE" b="0" dirty="0"/>
-          </a:p>
-          <a:p>
-            <a:endParaRPr lang="de-DE" b="0" dirty="0"/>
-          </a:p>
-          <a:p>
-            <a:r>
-              <a:rPr lang="de-DE" b="0" dirty="0"/>
-              <a:t>Technisch ändert sich auch einiges</a:t>
-            </a:r>
-          </a:p>
-          <a:p>
-            <a:r>
-              <a:rPr lang="de-DE" b="0" dirty="0"/>
-              <a:t>(</a:t>
-            </a:r>
-            <a:r>
-              <a:rPr lang="de-DE" b="0" dirty="0" err="1"/>
-              <a:t>testing</a:t>
-            </a:r>
-            <a:r>
-              <a:rPr lang="de-DE" b="0" dirty="0"/>
-              <a:t>, </a:t>
-            </a:r>
-            <a:r>
-              <a:rPr lang="de-DE" b="0" dirty="0" err="1"/>
-              <a:t>limits</a:t>
-            </a:r>
-            <a:r>
-              <a:rPr lang="de-DE" b="0" dirty="0"/>
-              <a:t>, </a:t>
-            </a:r>
-            <a:r>
-              <a:rPr lang="de-DE" b="0" dirty="0" err="1"/>
-              <a:t>always</a:t>
-            </a:r>
-            <a:r>
-              <a:rPr lang="de-DE" b="0" dirty="0"/>
-              <a:t> </a:t>
-            </a:r>
-            <a:r>
-              <a:rPr lang="de-DE" b="0" dirty="0" err="1"/>
-              <a:t>connected</a:t>
-            </a:r>
-            <a:r>
-              <a:rPr lang="de-DE" b="0" dirty="0"/>
-              <a:t>,..)</a:t>
-            </a:r>
           </a:p>
         </p:txBody>
       </p:sp>
@@ -4482,7 +4583,7 @@
           <a:p>
             <a:fld id="{4F5798B3-4BE3-CF41-BF85-A9EB0C2C6B31}" type="datetimeFigureOut">
               <a:rPr lang="de-DE" smtClean="0"/>
-              <a:t>10.04.19</a:t>
+              <a:t>11.04.19</a:t>
             </a:fld>
             <a:endParaRPr lang="de-DE"/>
           </a:p>
@@ -4655,7 +4756,7 @@
           <a:p>
             <a:fld id="{4F5798B3-4BE3-CF41-BF85-A9EB0C2C6B31}" type="datetimeFigureOut">
               <a:rPr lang="de-DE" smtClean="0"/>
-              <a:t>10.04.19</a:t>
+              <a:t>11.04.19</a:t>
             </a:fld>
             <a:endParaRPr lang="de-DE"/>
           </a:p>
@@ -4838,7 +4939,7 @@
           <a:p>
             <a:fld id="{4F5798B3-4BE3-CF41-BF85-A9EB0C2C6B31}" type="datetimeFigureOut">
               <a:rPr lang="de-DE" smtClean="0"/>
-              <a:t>10.04.19</a:t>
+              <a:t>11.04.19</a:t>
             </a:fld>
             <a:endParaRPr lang="de-DE"/>
           </a:p>
@@ -5011,7 +5112,7 @@
           <a:p>
             <a:fld id="{4F5798B3-4BE3-CF41-BF85-A9EB0C2C6B31}" type="datetimeFigureOut">
               <a:rPr lang="de-DE" smtClean="0"/>
-              <a:t>10.04.19</a:t>
+              <a:t>11.04.19</a:t>
             </a:fld>
             <a:endParaRPr lang="de-DE"/>
           </a:p>
@@ -5289,7 +5390,7 @@
           <a:p>
             <a:fld id="{4F5798B3-4BE3-CF41-BF85-A9EB0C2C6B31}" type="datetimeFigureOut">
               <a:rPr lang="de-DE" smtClean="0"/>
-              <a:t>10.04.19</a:t>
+              <a:t>11.04.19</a:t>
             </a:fld>
             <a:endParaRPr lang="de-DE"/>
           </a:p>
@@ -5504,7 +5605,7 @@
           <a:p>
             <a:fld id="{4F5798B3-4BE3-CF41-BF85-A9EB0C2C6B31}" type="datetimeFigureOut">
               <a:rPr lang="de-DE" smtClean="0"/>
-              <a:t>10.04.19</a:t>
+              <a:t>11.04.19</a:t>
             </a:fld>
             <a:endParaRPr lang="de-DE"/>
           </a:p>
@@ -5872,7 +5973,7 @@
           <a:p>
             <a:fld id="{4F5798B3-4BE3-CF41-BF85-A9EB0C2C6B31}" type="datetimeFigureOut">
               <a:rPr lang="de-DE" smtClean="0"/>
-              <a:t>10.04.19</a:t>
+              <a:t>11.04.19</a:t>
             </a:fld>
             <a:endParaRPr lang="de-DE"/>
           </a:p>
@@ -6013,7 +6114,7 @@
           <a:p>
             <a:fld id="{4F5798B3-4BE3-CF41-BF85-A9EB0C2C6B31}" type="datetimeFigureOut">
               <a:rPr lang="de-DE" smtClean="0"/>
-              <a:t>10.04.19</a:t>
+              <a:t>11.04.19</a:t>
             </a:fld>
             <a:endParaRPr lang="de-DE"/>
           </a:p>
@@ -6126,7 +6227,7 @@
           <a:p>
             <a:fld id="{4F5798B3-4BE3-CF41-BF85-A9EB0C2C6B31}" type="datetimeFigureOut">
               <a:rPr lang="de-DE" smtClean="0"/>
-              <a:t>10.04.19</a:t>
+              <a:t>11.04.19</a:t>
             </a:fld>
             <a:endParaRPr lang="de-DE"/>
           </a:p>
@@ -6415,7 +6516,7 @@
           <a:p>
             <a:fld id="{4F5798B3-4BE3-CF41-BF85-A9EB0C2C6B31}" type="datetimeFigureOut">
               <a:rPr lang="de-DE" smtClean="0"/>
-              <a:t>10.04.19</a:t>
+              <a:t>11.04.19</a:t>
             </a:fld>
             <a:endParaRPr lang="de-DE"/>
           </a:p>
@@ -6706,7 +6807,7 @@
           <a:p>
             <a:fld id="{4F5798B3-4BE3-CF41-BF85-A9EB0C2C6B31}" type="datetimeFigureOut">
               <a:rPr lang="de-DE" smtClean="0"/>
-              <a:t>10.04.19</a:t>
+              <a:t>11.04.19</a:t>
             </a:fld>
             <a:endParaRPr lang="de-DE"/>
           </a:p>
@@ -6922,7 +7023,7 @@
           <a:p>
             <a:fld id="{4F5798B3-4BE3-CF41-BF85-A9EB0C2C6B31}" type="datetimeFigureOut">
               <a:rPr lang="de-DE" smtClean="0"/>
-              <a:t>10.04.19</a:t>
+              <a:t>11.04.19</a:t>
             </a:fld>
             <a:endParaRPr lang="de-DE"/>
           </a:p>
@@ -20454,15 +20555,6 @@
 </file>
 
 <file path=customXml/item1.xml><?xml version="1.0" encoding="utf-8"?>
-<?mso-contentType ?>
-<FormTemplates xmlns="http://schemas.microsoft.com/sharepoint/v3/contenttype/forms">
-  <Display>DocumentLibraryForm</Display>
-  <Edit>DocumentLibraryForm</Edit>
-  <New>DocumentLibraryForm</New>
-</FormTemplates>
-</file>
-
-<file path=customXml/item2.xml><?xml version="1.0" encoding="utf-8"?>
 <ct:contentTypeSchema xmlns:ct="http://schemas.microsoft.com/office/2006/metadata/contentType" xmlns:ma="http://schemas.microsoft.com/office/2006/metadata/properties/metaAttributes" ct:_="" ma:_="" ma:contentTypeName="Dokument" ma:contentTypeID="0x01010031E1B82ABF415B48BF23F509058E533A" ma:contentTypeVersion="8" ma:contentTypeDescription="Ein neues Dokument erstellen." ma:contentTypeScope="" ma:versionID="5eaf6143a90709de9fc1faff16a157c6">
   <xsd:schema xmlns:xsd="http://www.w3.org/2001/XMLSchema" xmlns:xs="http://www.w3.org/2001/XMLSchema" xmlns:p="http://schemas.microsoft.com/office/2006/metadata/properties" xmlns:ns2="7aa4eee5-faa7-41e8-a326-e2811a920fe8" xmlns:ns3="75c71750-ea64-4423-aab6-63b8e8eb3d69" targetNamespace="http://schemas.microsoft.com/office/2006/metadata/properties" ma:root="true" ma:fieldsID="4a11f71c296d10aa788f33ebef58f177" ns2:_="" ns3:_="">
     <xsd:import namespace="7aa4eee5-faa7-41e8-a326-e2811a920fe8"/>
@@ -20653,6 +20745,15 @@
 </ct:contentTypeSchema>
 </file>
 
+<file path=customXml/item2.xml><?xml version="1.0" encoding="utf-8"?>
+<?mso-contentType ?>
+<FormTemplates xmlns="http://schemas.microsoft.com/sharepoint/v3/contenttype/forms">
+  <Display>DocumentLibraryForm</Display>
+  <Edit>DocumentLibraryForm</Edit>
+  <New>DocumentLibraryForm</New>
+</FormTemplates>
+</file>
+
 <file path=customXml/item3.xml><?xml version="1.0" encoding="utf-8"?>
 <p:properties xmlns:p="http://schemas.microsoft.com/office/2006/metadata/properties" xmlns:xsi="http://www.w3.org/2001/XMLSchema-instance" xmlns:pc="http://schemas.microsoft.com/office/infopath/2007/PartnerControls">
   <documentManagement/>
@@ -20660,14 +20761,6 @@
 </file>
 
 <file path=customXml/itemProps1.xml><?xml version="1.0" encoding="utf-8"?>
-<ds:datastoreItem xmlns:ds="http://schemas.openxmlformats.org/officeDocument/2006/customXml" ds:itemID="{7F13132C-637D-438A-9227-2F3618F42902}">
-  <ds:schemaRefs>
-    <ds:schemaRef ds:uri="http://schemas.microsoft.com/sharepoint/v3/contenttype/forms"/>
-  </ds:schemaRefs>
-</ds:datastoreItem>
-</file>
-
-<file path=customXml/itemProps2.xml><?xml version="1.0" encoding="utf-8"?>
 <ds:datastoreItem xmlns:ds="http://schemas.openxmlformats.org/officeDocument/2006/customXml" ds:itemID="{BC06EB08-931C-4A3D-9E3D-C6288F4EBE17}">
   <ds:schemaRefs>
     <ds:schemaRef ds:uri="http://schemas.microsoft.com/office/2006/metadata/contentType"/>
@@ -20682,6 +20775,14 @@
     <ds:schemaRef ds:uri="http://purl.org/dc/elements/1.1/"/>
     <ds:schemaRef ds:uri="http://purl.org/dc/terms/"/>
     <ds:schemaRef ds:uri="http://schemas.microsoft.com/internal/obd"/>
+  </ds:schemaRefs>
+</ds:datastoreItem>
+</file>
+
+<file path=customXml/itemProps2.xml><?xml version="1.0" encoding="utf-8"?>
+<ds:datastoreItem xmlns:ds="http://schemas.openxmlformats.org/officeDocument/2006/customXml" ds:itemID="{7F13132C-637D-438A-9227-2F3618F42902}">
+  <ds:schemaRefs>
+    <ds:schemaRef ds:uri="http://schemas.microsoft.com/sharepoint/v3/contenttype/forms"/>
   </ds:schemaRefs>
 </ds:datastoreItem>
 </file>
